--- a/Sprint9_FinalPresentation/W2020_T27_FinalPresentation.pptx
+++ b/Sprint9_FinalPresentation/W2020_T27_FinalPresentation.pptx
@@ -204,7 +204,7 @@
           <a:p>
             <a:fld id="{EAEE34E1-3B73-4FF0-9E54-A8ECEFE08BCE}" type="datetimeFigureOut">
               <a:rPr lang="en-US" smtClean="0"/>
-              <a:t>3/29/2020</a:t>
+              <a:t>4/8/2020</a:t>
             </a:fld>
             <a:endParaRPr lang="en-US"/>
           </a:p>
@@ -601,7 +601,7 @@
           <a:p>
             <a:r>
               <a:rPr lang="en-US" dirty="0"/>
-              <a:t>Intro of team/role - Parisa</a:t>
+              <a:t>Intro of team/roles - Nadia</a:t>
             </a:r>
           </a:p>
         </p:txBody>
@@ -789,11 +789,41 @@
           <a:p>
             <a:r>
               <a:rPr lang="en-US" dirty="0"/>
-              <a:t>Detailed Demo of Project - </a:t>
+              <a:t>Detailed Demo of Project -  </a:t>
             </a:r>
             <a:r>
               <a:rPr lang="en-CA" dirty="0"/>
-              <a:t>Milad</a:t>
+              <a:t>Milad and Parisa</a:t>
+            </a:r>
+          </a:p>
+          <a:p>
+            <a:pPr marL="171450" indent="-171450">
+              <a:buFontTx/>
+              <a:buChar char="-"/>
+            </a:pPr>
+            <a:r>
+              <a:rPr lang="en-CA" dirty="0"/>
+              <a:t>Mention UI</a:t>
+            </a:r>
+          </a:p>
+          <a:p>
+            <a:pPr marL="171450" indent="-171450">
+              <a:buFontTx/>
+              <a:buChar char="-"/>
+            </a:pPr>
+            <a:r>
+              <a:rPr lang="en-CA" dirty="0"/>
+              <a:t>User module</a:t>
+            </a:r>
+          </a:p>
+          <a:p>
+            <a:pPr marL="171450" indent="-171450">
+              <a:buFontTx/>
+              <a:buChar char="-"/>
+            </a:pPr>
+            <a:r>
+              <a:rPr lang="en-CA" dirty="0"/>
+              <a:t>Admin module</a:t>
             </a:r>
             <a:endParaRPr lang="en-US" dirty="0"/>
           </a:p>
@@ -881,7 +911,13 @@
           <a:p>
             <a:r>
               <a:rPr lang="en-CA" dirty="0"/>
-              <a:t>Technologies used - Vlad</a:t>
+              <a:t>Technologies used – Vlad</a:t>
+            </a:r>
+          </a:p>
+          <a:p>
+            <a:r>
+              <a:rPr lang="en-CA" dirty="0"/>
+              <a:t>Also, please mention Git for source control and how exactly it helped (easy collaboration, backups)</a:t>
             </a:r>
             <a:endParaRPr lang="en-US" dirty="0"/>
           </a:p>
@@ -969,7 +1005,7 @@
           <a:p>
             <a:r>
               <a:rPr lang="en-CA" dirty="0"/>
-              <a:t>Deployment - Nadia</a:t>
+              <a:t>Deployment - Vlad</a:t>
             </a:r>
           </a:p>
           <a:p>
@@ -999,11 +1035,96 @@
                   </a:schemeClr>
                 </a:solidFill>
               </a:rPr>
-              <a:t>At this point, the application is not packaged and publicly accessible through Google Play Market. This is outside of project scope, however, will still be done. Currently, the application can be accessed through GitHub. There are two different repositories, one for User Module and one for Admin Module. In order to run the application, either Android emulator or a physical device is required. </a:t>
-            </a:r>
-          </a:p>
-          <a:p>
-            <a:endParaRPr lang="en-US" dirty="0"/>
+              <a:t>At this point, the application is not packaged and publicly accessible through Google Play Market. This is outside of project scope, however, will still be done. Currently, the application can be accessed through GitHub. There are two different repositories, one for User Module and one for storing the project documentation.</a:t>
+            </a:r>
+          </a:p>
+          <a:p>
+            <a:pPr marL="0" marR="0" lvl="0" indent="0" algn="l" defTabSz="914400" rtl="0" eaLnBrk="1" fontAlgn="auto" latinLnBrk="0" hangingPunct="1">
+              <a:lnSpc>
+                <a:spcPct val="100000"/>
+              </a:lnSpc>
+              <a:spcBef>
+                <a:spcPts val="0"/>
+              </a:spcBef>
+              <a:spcAft>
+                <a:spcPts val="0"/>
+              </a:spcAft>
+              <a:buClrTx/>
+              <a:buSzTx/>
+              <a:buFontTx/>
+              <a:buNone/>
+              <a:tabLst/>
+              <a:defRPr/>
+            </a:pPr>
+            <a:r>
+              <a:rPr lang="en-US" sz="1200" dirty="0">
+                <a:solidFill>
+                  <a:schemeClr val="tx1">
+                    <a:lumMod val="95000"/>
+                    <a:lumOff val="5000"/>
+                  </a:schemeClr>
+                </a:solidFill>
+              </a:rPr>
+              <a:t>As Nadia explained in the email, the source code repo is private to keep the code inaccessible to the  entire internet. That’s why we asked for you </a:t>
+            </a:r>
+            <a:r>
+              <a:rPr lang="en-US" sz="1200" dirty="0" err="1">
+                <a:solidFill>
+                  <a:schemeClr val="tx1">
+                    <a:lumMod val="95000"/>
+                    <a:lumOff val="5000"/>
+                  </a:schemeClr>
+                </a:solidFill>
+              </a:rPr>
+              <a:t>github</a:t>
+            </a:r>
+            <a:r>
+              <a:rPr lang="en-US" sz="1200" dirty="0">
+                <a:solidFill>
+                  <a:schemeClr val="tx1">
+                    <a:lumMod val="95000"/>
+                    <a:lumOff val="5000"/>
+                  </a:schemeClr>
+                </a:solidFill>
+              </a:rPr>
+              <a:t> username, to give you access. </a:t>
+            </a:r>
+          </a:p>
+          <a:p>
+            <a:pPr marL="0" marR="0" lvl="0" indent="0" algn="l" defTabSz="914400" rtl="0" eaLnBrk="1" fontAlgn="auto" latinLnBrk="0" hangingPunct="1">
+              <a:lnSpc>
+                <a:spcPct val="100000"/>
+              </a:lnSpc>
+              <a:spcBef>
+                <a:spcPts val="0"/>
+              </a:spcBef>
+              <a:spcAft>
+                <a:spcPts val="0"/>
+              </a:spcAft>
+              <a:buClrTx/>
+              <a:buSzTx/>
+              <a:buFontTx/>
+              <a:buNone/>
+              <a:tabLst/>
+              <a:defRPr/>
+            </a:pPr>
+            <a:r>
+              <a:rPr lang="en-US" sz="1200" dirty="0">
+                <a:solidFill>
+                  <a:schemeClr val="tx1">
+                    <a:lumMod val="95000"/>
+                    <a:lumOff val="5000"/>
+                  </a:schemeClr>
+                </a:solidFill>
+              </a:rPr>
+              <a:t>In order to run the application, either Android emulator or a physical device is required. </a:t>
+            </a:r>
+          </a:p>
+          <a:p>
+            <a:r>
+              <a:rPr lang="en-US" dirty="0"/>
+              <a:t>If you choose to use a physical device, you will need to enable developer options and sideload the application.</a:t>
+            </a:r>
           </a:p>
         </p:txBody>
       </p:sp>
@@ -1181,8 +1302,8 @@
           <a:lstStyle/>
           <a:p>
             <a:r>
-              <a:rPr lang="en-CA" dirty="0"/>
-              <a:t>Parisa</a:t>
+              <a:rPr lang="en-CA"/>
+              <a:t>Nadia</a:t>
             </a:r>
             <a:endParaRPr lang="en-US" dirty="0"/>
           </a:p>
@@ -1371,7 +1492,7 @@
           <a:p>
             <a:fld id="{30BEAAB4-C640-4B4C-B5C5-BA8C047E5200}" type="datetimeFigureOut">
               <a:rPr lang="en-US" smtClean="0"/>
-              <a:t>3/29/2020</a:t>
+              <a:t>4/8/2020</a:t>
             </a:fld>
             <a:endParaRPr lang="en-US"/>
           </a:p>
@@ -1629,7 +1750,7 @@
           <a:p>
             <a:fld id="{30BEAAB4-C640-4B4C-B5C5-BA8C047E5200}" type="datetimeFigureOut">
               <a:rPr lang="en-US" smtClean="0"/>
-              <a:t>3/29/2020</a:t>
+              <a:t>4/8/2020</a:t>
             </a:fld>
             <a:endParaRPr lang="en-US"/>
           </a:p>
